--- a/ADF/Misc/AzureDataFactory.pptx
+++ b/ADF/Misc/AzureDataFactory.pptx
@@ -347,7 +347,7 @@
           <a:p>
             <a:fld id="{BDB7646E-8811-423A-9C42-2CBFADA00A96}" type="datetimeFigureOut">
               <a:rPr lang="pl-PL" smtClean="0"/>
-              <a:t>25.04.2018</a:t>
+              <a:t>21.10.2018</a:t>
             </a:fld>
             <a:endParaRPr lang="pl-PL" dirty="0"/>
           </a:p>
@@ -521,7 +521,7 @@
             <a:fld id="{D677E230-58DD-43ED-96A1-552DDAB53532}" type="datetimeFigureOut">
               <a:rPr lang="pl-PL" smtClean="0"/>
               <a:pPr/>
-              <a:t>25.04.2018</a:t>
+              <a:t>20.10.2018</a:t>
             </a:fld>
             <a:endParaRPr lang="pl-PL" dirty="0"/>
           </a:p>
@@ -2307,7 +2307,7 @@
             <a:fld id="{C2C6F8EA-316C-41DE-B9A4-EDCC3A85ED9A}" type="datetimeFigureOut">
               <a:rPr lang="pl-PL" noProof="0" smtClean="0"/>
               <a:pPr/>
-              <a:t>25.04.2018</a:t>
+              <a:t>20.10.2018</a:t>
             </a:fld>
             <a:endParaRPr lang="pl-PL" noProof="0" dirty="0"/>
           </a:p>
@@ -2432,7 +2432,7 @@
             <a:fld id="{C2C6F8EA-316C-41DE-B9A4-EDCC3A85ED9A}" type="datetimeFigureOut">
               <a:rPr lang="pl-PL" noProof="0" smtClean="0"/>
               <a:pPr/>
-              <a:t>25.04.2018</a:t>
+              <a:t>20.10.2018</a:t>
             </a:fld>
             <a:endParaRPr lang="pl-PL" noProof="0" dirty="0"/>
           </a:p>
@@ -2602,7 +2602,7 @@
             <a:fld id="{C2C6F8EA-316C-41DE-B9A4-EDCC3A85ED9A}" type="datetimeFigureOut">
               <a:rPr lang="pl-PL" noProof="0" smtClean="0"/>
               <a:pPr/>
-              <a:t>25.04.2018</a:t>
+              <a:t>20.10.2018</a:t>
             </a:fld>
             <a:endParaRPr lang="pl-PL" noProof="0" dirty="0"/>
           </a:p>
@@ -2801,7 +2801,7 @@
           <a:p>
             <a:fld id="{C2C6F8EA-316C-41DE-B9A4-EDCC3A85ED9A}" type="datetimeFigureOut">
               <a:rPr lang="pl-PL" noProof="0" smtClean="0"/>
-              <a:t>25.04.2018</a:t>
+              <a:t>20.10.2018</a:t>
             </a:fld>
             <a:endParaRPr lang="pl-PL" noProof="0" dirty="0"/>
           </a:p>
@@ -3616,7 +3616,7 @@
           <a:p>
             <a:fld id="{C2C6F8EA-316C-41DE-B9A4-EDCC3A85ED9A}" type="datetimeFigureOut">
               <a:rPr lang="pl-PL" noProof="0" smtClean="0"/>
-              <a:t>25.04.2018</a:t>
+              <a:t>20.10.2018</a:t>
             </a:fld>
             <a:endParaRPr lang="pl-PL" noProof="0" dirty="0"/>
           </a:p>
@@ -3814,7 +3814,7 @@
           <a:p>
             <a:fld id="{C2C6F8EA-316C-41DE-B9A4-EDCC3A85ED9A}" type="datetimeFigureOut">
               <a:rPr lang="pl-PL" noProof="0" smtClean="0"/>
-              <a:t>25.04.2018</a:t>
+              <a:t>20.10.2018</a:t>
             </a:fld>
             <a:endParaRPr lang="pl-PL" noProof="0" dirty="0"/>
           </a:p>
@@ -4921,7 +4921,7 @@
             <a:fld id="{C2C6F8EA-316C-41DE-B9A4-EDCC3A85ED9A}" type="datetimeFigureOut">
               <a:rPr lang="pl-PL" noProof="0" smtClean="0"/>
               <a:pPr/>
-              <a:t>25.04.2018</a:t>
+              <a:t>20.10.2018</a:t>
             </a:fld>
             <a:endParaRPr lang="pl-PL" noProof="0" dirty="0"/>
           </a:p>
@@ -5394,7 +5394,7 @@
           <a:p>
             <a:fld id="{C2C6F8EA-316C-41DE-B9A4-EDCC3A85ED9A}" type="datetimeFigureOut">
               <a:rPr lang="pl-PL" noProof="0" smtClean="0"/>
-              <a:t>25.04.2018</a:t>
+              <a:t>20.10.2018</a:t>
             </a:fld>
             <a:endParaRPr lang="pl-PL" noProof="0" dirty="0"/>
           </a:p>
@@ -5847,7 +5847,7 @@
           <a:p>
             <a:fld id="{C2C6F8EA-316C-41DE-B9A4-EDCC3A85ED9A}" type="datetimeFigureOut">
               <a:rPr lang="pl-PL" noProof="0" smtClean="0"/>
-              <a:t>25.04.2018</a:t>
+              <a:t>20.10.2018</a:t>
             </a:fld>
             <a:endParaRPr lang="pl-PL" noProof="0" dirty="0"/>
           </a:p>
@@ -5977,7 +5977,7 @@
           <a:p>
             <a:fld id="{C2C6F8EA-316C-41DE-B9A4-EDCC3A85ED9A}" type="datetimeFigureOut">
               <a:rPr lang="pl-PL" noProof="0" smtClean="0"/>
-              <a:t>25.04.2018</a:t>
+              <a:t>20.10.2018</a:t>
             </a:fld>
             <a:endParaRPr lang="pl-PL" noProof="0" dirty="0"/>
           </a:p>
@@ -6312,7 +6312,7 @@
           <a:p>
             <a:fld id="{C2C6F8EA-316C-41DE-B9A4-EDCC3A85ED9A}" type="datetimeFigureOut">
               <a:rPr lang="pl-PL" noProof="0" smtClean="0"/>
-              <a:t>25.04.2018</a:t>
+              <a:t>20.10.2018</a:t>
             </a:fld>
             <a:endParaRPr lang="pl-PL" noProof="0" dirty="0"/>
           </a:p>
@@ -6804,7 +6804,7 @@
           <a:p>
             <a:fld id="{C2C6F8EA-316C-41DE-B9A4-EDCC3A85ED9A}" type="datetimeFigureOut">
               <a:rPr lang="pl-PL" noProof="0" smtClean="0"/>
-              <a:t>25.04.2018</a:t>
+              <a:t>20.10.2018</a:t>
             </a:fld>
             <a:endParaRPr lang="pl-PL" noProof="0" dirty="0"/>
           </a:p>
@@ -7240,7 +7240,7 @@
           <a:p>
             <a:fld id="{C2C6F8EA-316C-41DE-B9A4-EDCC3A85ED9A}" type="datetimeFigureOut">
               <a:rPr lang="pl-PL" noProof="0" smtClean="0"/>
-              <a:t>25.04.2018</a:t>
+              <a:t>20.10.2018</a:t>
             </a:fld>
             <a:endParaRPr lang="pl-PL" noProof="0" dirty="0"/>
           </a:p>
@@ -8123,7 +8123,7 @@
             <a:fld id="{C2C6F8EA-316C-41DE-B9A4-EDCC3A85ED9A}" type="datetimeFigureOut">
               <a:rPr lang="pl-PL" noProof="0" smtClean="0"/>
               <a:pPr/>
-              <a:t>25.04.2018</a:t>
+              <a:t>20.10.2018</a:t>
             </a:fld>
             <a:endParaRPr lang="pl-PL" noProof="0" dirty="0"/>
           </a:p>
@@ -8593,13 +8593,13 @@
   <p:clrMapOvr>
     <a:masterClrMapping/>
   </p:clrMapOvr>
-  <mc:AlternateContent xmlns:mc="http://schemas.openxmlformats.org/markup-compatibility/2006">
-    <mc:Choice xmlns:p14="http://schemas.microsoft.com/office/powerpoint/2010/main" Requires="p14">
+  <mc:AlternateContent xmlns:mc="http://schemas.openxmlformats.org/markup-compatibility/2006" xmlns:p14="http://schemas.microsoft.com/office/powerpoint/2010/main">
+    <mc:Choice Requires="p14">
       <p:transition spd="med" p14:dur="700">
         <p:fade/>
       </p:transition>
     </mc:Choice>
-    <mc:Fallback>
+    <mc:Fallback xmlns="">
       <p:transition spd="med">
         <p:fade/>
       </p:transition>
@@ -25198,13 +25198,13 @@
   <p:clrMapOvr>
     <a:masterClrMapping/>
   </p:clrMapOvr>
-  <mc:AlternateContent xmlns:mc="http://schemas.openxmlformats.org/markup-compatibility/2006">
-    <mc:Choice xmlns:p14="http://schemas.microsoft.com/office/powerpoint/2010/main" Requires="p14">
+  <mc:AlternateContent xmlns:mc="http://schemas.openxmlformats.org/markup-compatibility/2006" xmlns:p14="http://schemas.microsoft.com/office/powerpoint/2010/main">
+    <mc:Choice Requires="p14">
       <p:transition spd="med" p14:dur="700">
         <p:fade/>
       </p:transition>
     </mc:Choice>
-    <mc:Fallback>
+    <mc:Fallback xmlns="">
       <p:transition spd="med">
         <p:fade/>
       </p:transition>
